--- a/Task 2/Task2_G4_presentation.pptx
+++ b/Task 2/Task2_G4_presentation.pptx
@@ -1005,80 +1005,6 @@
         </a:p>
       </dgm:t>
     </dgm:pt>
-    <dgm:pt modelId="{F3FA68A8-5DE9-4EA1-9AB7-67597E99F7A7}">
-      <dgm:prSet phldrT="[Text]"/>
-      <dgm:spPr/>
-      <dgm:t>
-        <a:bodyPr/>
-        <a:lstStyle/>
-        <a:p>
-          <a:r>
-            <a:rPr lang="en-US" dirty="0" smtClean="0"/>
-            <a:t>Runge-Kutta4</a:t>
-          </a:r>
-          <a:endParaRPr lang="en-US" dirty="0"/>
-        </a:p>
-      </dgm:t>
-    </dgm:pt>
-    <dgm:pt modelId="{34131C55-0977-4757-8D86-4DBCC9DD3AE1}" type="parTrans" cxnId="{3F8C4AB1-E41D-4B03-A649-2DF7657BB7E5}">
-      <dgm:prSet/>
-      <dgm:spPr/>
-      <dgm:t>
-        <a:bodyPr/>
-        <a:lstStyle/>
-        <a:p>
-          <a:endParaRPr lang="en-US"/>
-        </a:p>
-      </dgm:t>
-    </dgm:pt>
-    <dgm:pt modelId="{78D1B6B3-05D9-49F0-904B-C3CF1F0406FB}" type="sibTrans" cxnId="{3F8C4AB1-E41D-4B03-A649-2DF7657BB7E5}">
-      <dgm:prSet/>
-      <dgm:spPr/>
-      <dgm:t>
-        <a:bodyPr/>
-        <a:lstStyle/>
-        <a:p>
-          <a:endParaRPr lang="en-US"/>
-        </a:p>
-      </dgm:t>
-    </dgm:pt>
-    <dgm:pt modelId="{15EF25D2-4A56-4473-A91E-02619651F685}">
-      <dgm:prSet phldrT="[Text]"/>
-      <dgm:spPr/>
-      <dgm:t>
-        <a:bodyPr/>
-        <a:lstStyle/>
-        <a:p>
-          <a:r>
-            <a:rPr lang="en-US" dirty="0" smtClean="0"/>
-            <a:t>Evaluation of 12 equation for given set of inputs</a:t>
-          </a:r>
-          <a:endParaRPr lang="en-US" dirty="0"/>
-        </a:p>
-      </dgm:t>
-    </dgm:pt>
-    <dgm:pt modelId="{D149AD2F-3B07-40A1-B2CE-D069A7A681A0}" type="parTrans" cxnId="{99274D70-F2C8-40C7-808F-6AC0414E5469}">
-      <dgm:prSet/>
-      <dgm:spPr/>
-      <dgm:t>
-        <a:bodyPr/>
-        <a:lstStyle/>
-        <a:p>
-          <a:endParaRPr lang="en-US"/>
-        </a:p>
-      </dgm:t>
-    </dgm:pt>
-    <dgm:pt modelId="{A9D27F4E-826B-4603-BB69-B35B9D884B6B}" type="sibTrans" cxnId="{99274D70-F2C8-40C7-808F-6AC0414E5469}">
-      <dgm:prSet/>
-      <dgm:spPr/>
-      <dgm:t>
-        <a:bodyPr/>
-        <a:lstStyle/>
-        <a:p>
-          <a:endParaRPr lang="en-US"/>
-        </a:p>
-      </dgm:t>
-    </dgm:pt>
     <dgm:pt modelId="{E29A2492-9359-421B-95D0-112FCDCED272}">
       <dgm:prSet phldrT="[Text]"/>
       <dgm:spPr/>
@@ -1106,51 +1032,6 @@
       </dgm:t>
     </dgm:pt>
     <dgm:pt modelId="{86337EDD-B11E-424F-B565-ECAEBDCB015E}" type="sibTrans" cxnId="{AE5CD824-76AA-4DD6-BC5F-5DD9CEDC4194}">
-      <dgm:prSet/>
-      <dgm:spPr/>
-      <dgm:t>
-        <a:bodyPr/>
-        <a:lstStyle/>
-        <a:p>
-          <a:endParaRPr lang="en-US"/>
-        </a:p>
-      </dgm:t>
-    </dgm:pt>
-    <dgm:pt modelId="{752CAC77-1B7D-4A16-8C8D-CE31BC567B9D}">
-      <dgm:prSet phldrT="[Text]"/>
-      <dgm:spPr/>
-      <dgm:t>
-        <a:bodyPr/>
-        <a:lstStyle/>
-        <a:p>
-          <a:r>
-            <a:rPr lang="en-US" dirty="0" smtClean="0"/>
-            <a:t>Appling </a:t>
-          </a:r>
-          <a:r>
-            <a:rPr lang="en-US" b="1" dirty="0" smtClean="0"/>
-            <a:t>RK4</a:t>
-          </a:r>
-          <a:r>
-            <a:rPr lang="en-US" dirty="0" smtClean="0"/>
-            <a:t> in order to evaluate the next state.</a:t>
-          </a:r>
-          <a:endParaRPr lang="en-US" dirty="0"/>
-        </a:p>
-      </dgm:t>
-    </dgm:pt>
-    <dgm:pt modelId="{EB4DD5FC-6C15-418A-A3C3-EE9CE3D54C9F}" type="parTrans" cxnId="{7C802D76-A901-421E-9B6F-940A9D70BF57}">
-      <dgm:prSet/>
-      <dgm:spPr/>
-      <dgm:t>
-        <a:bodyPr/>
-        <a:lstStyle/>
-        <a:p>
-          <a:endParaRPr lang="en-US"/>
-        </a:p>
-      </dgm:t>
-    </dgm:pt>
-    <dgm:pt modelId="{93F66479-E602-4451-9D45-28AC9604AD41}" type="sibTrans" cxnId="{7C802D76-A901-421E-9B6F-940A9D70BF57}">
       <dgm:prSet/>
       <dgm:spPr/>
       <dgm:t>
@@ -1309,6 +1190,199 @@
         </a:p>
       </dgm:t>
     </dgm:pt>
+    <dgm:pt modelId="{B295FB8B-E557-4A42-A5CA-358D2E1D6003}">
+      <dgm:prSet phldrT="[Text]"/>
+      <dgm:spPr/>
+      <dgm:t>
+        <a:bodyPr/>
+        <a:lstStyle/>
+        <a:p>
+          <a:r>
+            <a:rPr lang="en-US" dirty="0" smtClean="0"/>
+            <a:t>Appling </a:t>
+          </a:r>
+          <a:r>
+            <a:rPr lang="en-US" b="1" dirty="0" smtClean="0"/>
+            <a:t>RK4</a:t>
+          </a:r>
+          <a:r>
+            <a:rPr lang="en-US" dirty="0" smtClean="0"/>
+            <a:t> in order to evaluate the next state.</a:t>
+          </a:r>
+          <a:endParaRPr lang="en-US" dirty="0"/>
+        </a:p>
+      </dgm:t>
+    </dgm:pt>
+    <dgm:pt modelId="{B95ABB46-B49C-4483-A08E-085CBED32384}" type="parTrans" cxnId="{4652FCFD-3715-4389-A840-EB36D6ADCB26}">
+      <dgm:prSet/>
+      <dgm:spPr/>
+      <dgm:t>
+        <a:bodyPr/>
+        <a:lstStyle/>
+        <a:p>
+          <a:endParaRPr lang="en-US"/>
+        </a:p>
+      </dgm:t>
+    </dgm:pt>
+    <dgm:pt modelId="{B37DB9B5-BEF3-47B2-BAD7-D44E7E20A131}" type="sibTrans" cxnId="{4652FCFD-3715-4389-A840-EB36D6ADCB26}">
+      <dgm:prSet/>
+      <dgm:spPr/>
+      <dgm:t>
+        <a:bodyPr/>
+        <a:lstStyle/>
+        <a:p>
+          <a:endParaRPr lang="en-US"/>
+        </a:p>
+      </dgm:t>
+    </dgm:pt>
+    <dgm:pt modelId="{3720C5A9-711D-47AA-BE8C-8830489769E8}">
+      <dgm:prSet phldrT="[Text]"/>
+      <dgm:spPr/>
+      <dgm:t>
+        <a:bodyPr/>
+        <a:lstStyle/>
+        <a:p>
+          <a:r>
+            <a:rPr lang="en-US" dirty="0" smtClean="0"/>
+            <a:t>Evaluation of 12 equation for given set of inputs</a:t>
+          </a:r>
+          <a:endParaRPr lang="en-US" dirty="0"/>
+        </a:p>
+      </dgm:t>
+    </dgm:pt>
+    <dgm:pt modelId="{4B165626-D450-48A7-B4FB-368AF7F28693}" type="parTrans" cxnId="{76402FA0-90E5-4E0E-BED6-FDDBFE4649BA}">
+      <dgm:prSet/>
+      <dgm:spPr/>
+      <dgm:t>
+        <a:bodyPr/>
+        <a:lstStyle/>
+        <a:p>
+          <a:endParaRPr lang="en-US"/>
+        </a:p>
+      </dgm:t>
+    </dgm:pt>
+    <dgm:pt modelId="{D0AE56D5-8983-4F66-8B1E-A316B6D203EC}" type="sibTrans" cxnId="{76402FA0-90E5-4E0E-BED6-FDDBFE4649BA}">
+      <dgm:prSet/>
+      <dgm:spPr/>
+      <dgm:t>
+        <a:bodyPr/>
+        <a:lstStyle/>
+        <a:p>
+          <a:endParaRPr lang="en-US"/>
+        </a:p>
+      </dgm:t>
+    </dgm:pt>
+    <dgm:pt modelId="{065F0170-6FC0-45AF-9E79-E41297FBCC78}">
+      <dgm:prSet phldrT="[Text]"/>
+      <dgm:spPr/>
+      <dgm:t>
+        <a:bodyPr/>
+        <a:lstStyle/>
+        <a:p>
+          <a:r>
+            <a:rPr lang="en-US" dirty="0" smtClean="0"/>
+            <a:t>Verifying</a:t>
+          </a:r>
+          <a:endParaRPr lang="en-US" dirty="0"/>
+        </a:p>
+      </dgm:t>
+    </dgm:pt>
+    <dgm:pt modelId="{2B8529B7-E8C0-4279-9DAE-FD65CA43EA9E}" type="parTrans" cxnId="{7E3108E0-0977-421E-A885-372DF5444FB9}">
+      <dgm:prSet/>
+      <dgm:spPr/>
+      <dgm:t>
+        <a:bodyPr/>
+        <a:lstStyle/>
+        <a:p>
+          <a:endParaRPr lang="en-US"/>
+        </a:p>
+      </dgm:t>
+    </dgm:pt>
+    <dgm:pt modelId="{739BCD2F-6404-4362-8D63-28E63AADD6D8}" type="sibTrans" cxnId="{7E3108E0-0977-421E-A885-372DF5444FB9}">
+      <dgm:prSet/>
+      <dgm:spPr/>
+      <dgm:t>
+        <a:bodyPr/>
+        <a:lstStyle/>
+        <a:p>
+          <a:endParaRPr lang="en-US"/>
+        </a:p>
+      </dgm:t>
+    </dgm:pt>
+    <dgm:pt modelId="{03BFAE88-CBD4-4E2A-BD9B-C866C4356FD9}">
+      <dgm:prSet phldrT="[Text]"/>
+      <dgm:spPr/>
+      <dgm:t>
+        <a:bodyPr/>
+        <a:lstStyle/>
+        <a:p>
+          <a:r>
+            <a:rPr lang="en-US" dirty="0" smtClean="0"/>
+            <a:t>Using Simulink</a:t>
+          </a:r>
+          <a:endParaRPr lang="en-US" dirty="0"/>
+        </a:p>
+      </dgm:t>
+    </dgm:pt>
+    <dgm:pt modelId="{98965808-7E6C-4D22-95FC-BD0A087DA159}" type="parTrans" cxnId="{7028AF15-68C7-40F4-8991-CB5D1AC3550E}">
+      <dgm:prSet/>
+      <dgm:spPr/>
+      <dgm:t>
+        <a:bodyPr/>
+        <a:lstStyle/>
+        <a:p>
+          <a:endParaRPr lang="en-US"/>
+        </a:p>
+      </dgm:t>
+    </dgm:pt>
+    <dgm:pt modelId="{3CB10D57-F260-4681-AD4C-6061877C0435}" type="sibTrans" cxnId="{7028AF15-68C7-40F4-8991-CB5D1AC3550E}">
+      <dgm:prSet/>
+      <dgm:spPr/>
+      <dgm:t>
+        <a:bodyPr/>
+        <a:lstStyle/>
+        <a:p>
+          <a:endParaRPr lang="en-US"/>
+        </a:p>
+      </dgm:t>
+    </dgm:pt>
+    <dgm:pt modelId="{9AEE4A74-E0F5-4837-9AB7-EEEECD66C904}">
+      <dgm:prSet phldrT="[Text]"/>
+      <dgm:spPr/>
+      <dgm:t>
+        <a:bodyPr/>
+        <a:lstStyle/>
+        <a:p>
+          <a:r>
+            <a:rPr lang="en-US" dirty="0" smtClean="0"/>
+            <a:t>Using ode45</a:t>
+          </a:r>
+          <a:endParaRPr lang="en-US" dirty="0"/>
+        </a:p>
+      </dgm:t>
+    </dgm:pt>
+    <dgm:pt modelId="{18CA9A35-CCC4-4605-89F3-BCB5B10C2624}" type="parTrans" cxnId="{17DB756E-8924-42A3-BF41-98C53A5FFDA6}">
+      <dgm:prSet/>
+      <dgm:spPr/>
+      <dgm:t>
+        <a:bodyPr/>
+        <a:lstStyle/>
+        <a:p>
+          <a:endParaRPr lang="en-US"/>
+        </a:p>
+      </dgm:t>
+    </dgm:pt>
+    <dgm:pt modelId="{BD10F962-B7B7-4957-AEBA-37D4C1F5FB73}" type="sibTrans" cxnId="{17DB756E-8924-42A3-BF41-98C53A5FFDA6}">
+      <dgm:prSet/>
+      <dgm:spPr/>
+      <dgm:t>
+        <a:bodyPr/>
+        <a:lstStyle/>
+        <a:p>
+          <a:endParaRPr lang="en-US"/>
+        </a:p>
+      </dgm:t>
+    </dgm:pt>
     <dgm:pt modelId="{7E6789B2-7E8E-4912-BEEF-953E8263AED8}" type="pres">
       <dgm:prSet presAssocID="{66485F72-B3E6-4C6B-BFB9-9B7B9ABE6250}" presName="Name0" presStyleCnt="0">
         <dgm:presLayoutVars>
@@ -1393,16 +1467,16 @@
       <dgm:prSet presAssocID="{778F2708-F4A9-4B4F-932F-CADF7604C1E4}" presName="Name9" presStyleLbl="sibTrans2D1" presStyleIdx="0" presStyleCnt="3"/>
       <dgm:spPr/>
     </dgm:pt>
-    <dgm:pt modelId="{64C693BB-FE55-4547-9B6F-8D6D726CAEA9}" type="pres">
-      <dgm:prSet presAssocID="{F3FA68A8-5DE9-4EA1-9AB7-67597E99F7A7}" presName="composite2" presStyleCnt="0"/>
+    <dgm:pt modelId="{D71E17A4-6BA2-46EC-8384-E57D5E5BD9B7}" type="pres">
+      <dgm:prSet presAssocID="{E29A2492-9359-421B-95D0-112FCDCED272}" presName="composite2" presStyleCnt="0"/>
       <dgm:spPr/>
     </dgm:pt>
-    <dgm:pt modelId="{F395DD25-42E4-4476-A64D-47B78E949DE5}" type="pres">
-      <dgm:prSet presAssocID="{F3FA68A8-5DE9-4EA1-9AB7-67597E99F7A7}" presName="dummyNode2" presStyleLbl="node1" presStyleIdx="0" presStyleCnt="4"/>
+    <dgm:pt modelId="{C957C2B0-D6BA-4F47-B816-11D3A2F779D0}" type="pres">
+      <dgm:prSet presAssocID="{E29A2492-9359-421B-95D0-112FCDCED272}" presName="dummyNode2" presStyleLbl="node1" presStyleIdx="0" presStyleCnt="4"/>
       <dgm:spPr/>
     </dgm:pt>
-    <dgm:pt modelId="{335AE672-2BC9-40D8-9DE9-15A2338B13A9}" type="pres">
-      <dgm:prSet presAssocID="{F3FA68A8-5DE9-4EA1-9AB7-67597E99F7A7}" presName="childNode2" presStyleLbl="bgAcc1" presStyleIdx="1" presStyleCnt="4">
+    <dgm:pt modelId="{EF9783B8-4EFF-426C-9593-9CB5675D5AAE}" type="pres">
+      <dgm:prSet presAssocID="{E29A2492-9359-421B-95D0-112FCDCED272}" presName="childNode2" presStyleLbl="bgAcc1" presStyleIdx="1" presStyleCnt="4">
         <dgm:presLayoutVars>
           <dgm:bulletEnabled val="1"/>
         </dgm:presLayoutVars>
@@ -1416,8 +1490,8 @@
         </a:p>
       </dgm:t>
     </dgm:pt>
-    <dgm:pt modelId="{31475E52-50CB-4F6B-B132-A3256EE2B0E5}" type="pres">
-      <dgm:prSet presAssocID="{F3FA68A8-5DE9-4EA1-9AB7-67597E99F7A7}" presName="childNode2tx" presStyleLbl="bgAcc1" presStyleIdx="1" presStyleCnt="4">
+    <dgm:pt modelId="{A3932BE4-307D-44AB-81DF-853D01A8D3B9}" type="pres">
+      <dgm:prSet presAssocID="{E29A2492-9359-421B-95D0-112FCDCED272}" presName="childNode2tx" presStyleLbl="bgAcc1" presStyleIdx="1" presStyleCnt="4">
         <dgm:presLayoutVars>
           <dgm:bulletEnabled val="1"/>
         </dgm:presLayoutVars>
@@ -1431,40 +1505,33 @@
         </a:p>
       </dgm:t>
     </dgm:pt>
-    <dgm:pt modelId="{DB5FF16D-E468-4D37-8973-2DB2EAF85B67}" type="pres">
-      <dgm:prSet presAssocID="{F3FA68A8-5DE9-4EA1-9AB7-67597E99F7A7}" presName="parentNode2" presStyleLbl="node1" presStyleIdx="1" presStyleCnt="4">
+    <dgm:pt modelId="{878BB4B9-68A8-450C-8D3F-C5E24C27A162}" type="pres">
+      <dgm:prSet presAssocID="{E29A2492-9359-421B-95D0-112FCDCED272}" presName="parentNode2" presStyleLbl="node1" presStyleIdx="1" presStyleCnt="4">
         <dgm:presLayoutVars>
           <dgm:chMax val="0"/>
           <dgm:bulletEnabled val="1"/>
         </dgm:presLayoutVars>
       </dgm:prSet>
       <dgm:spPr/>
-      <dgm:t>
-        <a:bodyPr/>
-        <a:lstStyle/>
-        <a:p>
-          <a:endParaRPr lang="en-US"/>
-        </a:p>
-      </dgm:t>
     </dgm:pt>
-    <dgm:pt modelId="{1A6C9B4D-AFF1-4300-9B2B-99190D489EF6}" type="pres">
-      <dgm:prSet presAssocID="{F3FA68A8-5DE9-4EA1-9AB7-67597E99F7A7}" presName="connSite2" presStyleCnt="0"/>
+    <dgm:pt modelId="{2043CB64-3B0F-4F90-8B01-DAB23DF6A3C0}" type="pres">
+      <dgm:prSet presAssocID="{E29A2492-9359-421B-95D0-112FCDCED272}" presName="connSite2" presStyleCnt="0"/>
       <dgm:spPr/>
     </dgm:pt>
-    <dgm:pt modelId="{C95B669E-1807-4AA3-98A1-A8728D57C2C7}" type="pres">
-      <dgm:prSet presAssocID="{78D1B6B3-05D9-49F0-904B-C3CF1F0406FB}" presName="Name18" presStyleLbl="sibTrans2D1" presStyleIdx="1" presStyleCnt="3"/>
+    <dgm:pt modelId="{2CABBD81-09B3-470A-AC08-D64D0849A100}" type="pres">
+      <dgm:prSet presAssocID="{86337EDD-B11E-424F-B565-ECAEBDCB015E}" presName="Name18" presStyleLbl="sibTrans2D1" presStyleIdx="1" presStyleCnt="3"/>
       <dgm:spPr/>
     </dgm:pt>
-    <dgm:pt modelId="{78DEE361-8254-41E3-A7F3-92E4526EAAD6}" type="pres">
-      <dgm:prSet presAssocID="{E29A2492-9359-421B-95D0-112FCDCED272}" presName="composite1" presStyleCnt="0"/>
+    <dgm:pt modelId="{B8B74022-69A8-49EA-BF45-39E49E07DBBA}" type="pres">
+      <dgm:prSet presAssocID="{1BEBD129-E745-4A9D-9514-737C2968FD50}" presName="composite1" presStyleCnt="0"/>
       <dgm:spPr/>
     </dgm:pt>
-    <dgm:pt modelId="{4DCE4455-1550-48DD-964B-D3715C4FE4E1}" type="pres">
-      <dgm:prSet presAssocID="{E29A2492-9359-421B-95D0-112FCDCED272}" presName="dummyNode1" presStyleLbl="node1" presStyleIdx="1" presStyleCnt="4"/>
+    <dgm:pt modelId="{140E299B-CA57-43D1-AF15-C97E1FC1A0CC}" type="pres">
+      <dgm:prSet presAssocID="{1BEBD129-E745-4A9D-9514-737C2968FD50}" presName="dummyNode1" presStyleLbl="node1" presStyleIdx="1" presStyleCnt="4"/>
       <dgm:spPr/>
     </dgm:pt>
-    <dgm:pt modelId="{99461658-3001-464A-BA68-F51873BC7130}" type="pres">
-      <dgm:prSet presAssocID="{E29A2492-9359-421B-95D0-112FCDCED272}" presName="childNode1" presStyleLbl="bgAcc1" presStyleIdx="2" presStyleCnt="4">
+    <dgm:pt modelId="{BE9EB199-6B03-4364-8070-BEB8F9E211CD}" type="pres">
+      <dgm:prSet presAssocID="{1BEBD129-E745-4A9D-9514-737C2968FD50}" presName="childNode1" presStyleLbl="bgAcc1" presStyleIdx="2" presStyleCnt="4">
         <dgm:presLayoutVars>
           <dgm:bulletEnabled val="1"/>
         </dgm:presLayoutVars>
@@ -1478,8 +1545,8 @@
         </a:p>
       </dgm:t>
     </dgm:pt>
-    <dgm:pt modelId="{3F772DC5-AA18-432E-A368-14AC849EA3BE}" type="pres">
-      <dgm:prSet presAssocID="{E29A2492-9359-421B-95D0-112FCDCED272}" presName="childNode1tx" presStyleLbl="bgAcc1" presStyleIdx="2" presStyleCnt="4">
+    <dgm:pt modelId="{FC20E445-3AAE-47AA-A9B2-94751BE224BD}" type="pres">
+      <dgm:prSet presAssocID="{1BEBD129-E745-4A9D-9514-737C2968FD50}" presName="childNode1tx" presStyleLbl="bgAcc1" presStyleIdx="2" presStyleCnt="4">
         <dgm:presLayoutVars>
           <dgm:bulletEnabled val="1"/>
         </dgm:presLayoutVars>
@@ -1493,8 +1560,8 @@
         </a:p>
       </dgm:t>
     </dgm:pt>
-    <dgm:pt modelId="{B79FC3A8-661E-41E8-B79F-1EA5926A51C5}" type="pres">
-      <dgm:prSet presAssocID="{E29A2492-9359-421B-95D0-112FCDCED272}" presName="parentNode1" presStyleLbl="node1" presStyleIdx="2" presStyleCnt="4">
+    <dgm:pt modelId="{2F483414-171A-4773-958A-CEABC3C31B16}" type="pres">
+      <dgm:prSet presAssocID="{1BEBD129-E745-4A9D-9514-737C2968FD50}" presName="parentNode1" presStyleLbl="node1" presStyleIdx="2" presStyleCnt="4">
         <dgm:presLayoutVars>
           <dgm:chMax val="1"/>
           <dgm:bulletEnabled val="1"/>
@@ -1502,24 +1569,24 @@
       </dgm:prSet>
       <dgm:spPr/>
     </dgm:pt>
-    <dgm:pt modelId="{FD9B285C-FC1B-4AED-8B1E-76DC4C9F68C4}" type="pres">
-      <dgm:prSet presAssocID="{E29A2492-9359-421B-95D0-112FCDCED272}" presName="connSite1" presStyleCnt="0"/>
+    <dgm:pt modelId="{5F2052BA-C766-4795-8D05-39C6B2C971AD}" type="pres">
+      <dgm:prSet presAssocID="{1BEBD129-E745-4A9D-9514-737C2968FD50}" presName="connSite1" presStyleCnt="0"/>
       <dgm:spPr/>
     </dgm:pt>
-    <dgm:pt modelId="{CFCACBD0-A32E-4EC1-B16C-4AB26315F19F}" type="pres">
-      <dgm:prSet presAssocID="{86337EDD-B11E-424F-B565-ECAEBDCB015E}" presName="Name9" presStyleLbl="sibTrans2D1" presStyleIdx="2" presStyleCnt="3"/>
+    <dgm:pt modelId="{093F5B07-4594-4074-8026-1C7DE48FF0A4}" type="pres">
+      <dgm:prSet presAssocID="{C175DCCC-7B32-4B05-97B1-FC108B11B050}" presName="Name9" presStyleLbl="sibTrans2D1" presStyleIdx="2" presStyleCnt="3"/>
       <dgm:spPr/>
     </dgm:pt>
-    <dgm:pt modelId="{F2F3CC6E-68B3-45E7-8ECB-8FE894940181}" type="pres">
-      <dgm:prSet presAssocID="{1BEBD129-E745-4A9D-9514-737C2968FD50}" presName="composite2" presStyleCnt="0"/>
+    <dgm:pt modelId="{78773621-9456-4A11-80DE-F0E65035763E}" type="pres">
+      <dgm:prSet presAssocID="{065F0170-6FC0-45AF-9E79-E41297FBCC78}" presName="composite2" presStyleCnt="0"/>
       <dgm:spPr/>
     </dgm:pt>
-    <dgm:pt modelId="{ECCFE97D-6DE0-4180-BACB-88D670AEC4E1}" type="pres">
-      <dgm:prSet presAssocID="{1BEBD129-E745-4A9D-9514-737C2968FD50}" presName="dummyNode2" presStyleLbl="node1" presStyleIdx="2" presStyleCnt="4"/>
+    <dgm:pt modelId="{154EB4F6-C136-4EE5-A471-04AC25A1AE20}" type="pres">
+      <dgm:prSet presAssocID="{065F0170-6FC0-45AF-9E79-E41297FBCC78}" presName="dummyNode2" presStyleLbl="node1" presStyleIdx="2" presStyleCnt="4"/>
       <dgm:spPr/>
     </dgm:pt>
-    <dgm:pt modelId="{C1D339B4-DF39-4103-9569-05A2D87FAF90}" type="pres">
-      <dgm:prSet presAssocID="{1BEBD129-E745-4A9D-9514-737C2968FD50}" presName="childNode2" presStyleLbl="bgAcc1" presStyleIdx="3" presStyleCnt="4">
+    <dgm:pt modelId="{B50BB41E-CB27-4BB9-95E2-E59ED038B88D}" type="pres">
+      <dgm:prSet presAssocID="{065F0170-6FC0-45AF-9E79-E41297FBCC78}" presName="childNode2" presStyleLbl="bgAcc1" presStyleIdx="3" presStyleCnt="4">
         <dgm:presLayoutVars>
           <dgm:bulletEnabled val="1"/>
         </dgm:presLayoutVars>
@@ -1533,8 +1600,8 @@
         </a:p>
       </dgm:t>
     </dgm:pt>
-    <dgm:pt modelId="{66D2C913-D6C8-4B43-BCD8-4A6C47C7FF27}" type="pres">
-      <dgm:prSet presAssocID="{1BEBD129-E745-4A9D-9514-737C2968FD50}" presName="childNode2tx" presStyleLbl="bgAcc1" presStyleIdx="3" presStyleCnt="4">
+    <dgm:pt modelId="{2810BC6C-560C-482D-A50B-FEB668E5DAB7}" type="pres">
+      <dgm:prSet presAssocID="{065F0170-6FC0-45AF-9E79-E41297FBCC78}" presName="childNode2tx" presStyleLbl="bgAcc1" presStyleIdx="3" presStyleCnt="4">
         <dgm:presLayoutVars>
           <dgm:bulletEnabled val="1"/>
         </dgm:presLayoutVars>
@@ -1548,61 +1615,60 @@
         </a:p>
       </dgm:t>
     </dgm:pt>
-    <dgm:pt modelId="{AB17B868-E034-44F8-B2FA-32484AC16A2F}" type="pres">
-      <dgm:prSet presAssocID="{1BEBD129-E745-4A9D-9514-737C2968FD50}" presName="parentNode2" presStyleLbl="node1" presStyleIdx="3" presStyleCnt="4">
+    <dgm:pt modelId="{91276460-7F6A-4C83-8AF8-5A7D4578DB37}" type="pres">
+      <dgm:prSet presAssocID="{065F0170-6FC0-45AF-9E79-E41297FBCC78}" presName="parentNode2" presStyleLbl="node1" presStyleIdx="3" presStyleCnt="4">
         <dgm:presLayoutVars>
           <dgm:chMax val="0"/>
           <dgm:bulletEnabled val="1"/>
         </dgm:presLayoutVars>
       </dgm:prSet>
       <dgm:spPr/>
-      <dgm:t>
-        <a:bodyPr/>
-        <a:lstStyle/>
-        <a:p>
-          <a:endParaRPr lang="en-US"/>
-        </a:p>
-      </dgm:t>
     </dgm:pt>
-    <dgm:pt modelId="{E1B340DD-AC5F-40FD-883F-C6164215A403}" type="pres">
-      <dgm:prSet presAssocID="{1BEBD129-E745-4A9D-9514-737C2968FD50}" presName="connSite2" presStyleCnt="0"/>
+    <dgm:pt modelId="{7EB698CF-6612-4A37-B444-7DC9FC7CBA19}" type="pres">
+      <dgm:prSet presAssocID="{065F0170-6FC0-45AF-9E79-E41297FBCC78}" presName="connSite2" presStyleCnt="0"/>
       <dgm:spPr/>
     </dgm:pt>
   </dgm:ptLst>
   <dgm:cxnLst>
-    <dgm:cxn modelId="{1255FB1D-A606-4D87-9D3B-2B2574160376}" type="presOf" srcId="{15EF25D2-4A56-4473-A91E-02619651F685}" destId="{335AE672-2BC9-40D8-9DE9-15A2338B13A9}" srcOrd="0" destOrd="0" presId="urn:microsoft.com/office/officeart/2005/8/layout/hProcess4"/>
+    <dgm:cxn modelId="{8FD49730-3CA2-4333-B0CB-3470E33E200E}" type="presOf" srcId="{9AEE4A74-E0F5-4837-9AB7-EEEECD66C904}" destId="{B50BB41E-CB27-4BB9-95E2-E59ED038B88D}" srcOrd="0" destOrd="1" presId="urn:microsoft.com/office/officeart/2005/8/layout/hProcess4"/>
+    <dgm:cxn modelId="{63F43BC9-D099-4C80-9F76-2D747C73C04A}" srcId="{1BEBD129-E745-4A9D-9514-737C2968FD50}" destId="{17CF127F-5472-45BB-9E78-966415DA6405}" srcOrd="0" destOrd="0" parTransId="{BEFC908F-DDB3-415E-AEAE-802E59C8A0E1}" sibTransId="{1FFF8C08-94D1-42DC-BD8A-62791B1835BC}"/>
+    <dgm:cxn modelId="{2C0FB695-345B-4610-9B5B-A397536B65CC}" type="presOf" srcId="{17CF127F-5472-45BB-9E78-966415DA6405}" destId="{BE9EB199-6B03-4364-8070-BEB8F9E211CD}" srcOrd="0" destOrd="0" presId="urn:microsoft.com/office/officeart/2005/8/layout/hProcess4"/>
+    <dgm:cxn modelId="{18595CD8-15BE-47CA-AC32-8DB6B20E1F71}" srcId="{66485F72-B3E6-4C6B-BFB9-9B7B9ABE6250}" destId="{22C9E094-4898-4E4F-85B3-9BCF9FE111F0}" srcOrd="0" destOrd="0" parTransId="{1538121D-E8BA-4C85-B2C7-1A8131794B47}" sibTransId="{778F2708-F4A9-4B4F-932F-CADF7604C1E4}"/>
+    <dgm:cxn modelId="{9B1A11A8-6D66-4D34-BE07-26D1FA8C96BF}" srcId="{22C9E094-4898-4E4F-85B3-9BCF9FE111F0}" destId="{7E550C28-F125-47A3-9766-469DF52252F9}" srcOrd="3" destOrd="0" parTransId="{E9D0C25A-CE47-4AAE-B07A-1E2E97E474D1}" sibTransId="{1AA25794-BBD5-4584-99BE-C3F50A49E62A}"/>
     <dgm:cxn modelId="{521CCE9A-81DA-468B-A00A-544FCF467005}" type="presOf" srcId="{16E1230E-7199-4A9A-A511-4CBA9385AF7F}" destId="{9E66591A-F860-41F0-BDDE-366E0A94C2E8}" srcOrd="0" destOrd="1" presId="urn:microsoft.com/office/officeart/2005/8/layout/hProcess4"/>
+    <dgm:cxn modelId="{2C5E15B8-4728-4030-B580-8FB6F67923E1}" srcId="{22C9E094-4898-4E4F-85B3-9BCF9FE111F0}" destId="{16E1230E-7199-4A9A-A511-4CBA9385AF7F}" srcOrd="1" destOrd="0" parTransId="{60FE77BD-5030-4A43-880D-51BC9B5438BA}" sibTransId="{DC77E76B-EDF1-4CDD-82D9-4D3263AD411D}"/>
+    <dgm:cxn modelId="{4652FCFD-3715-4389-A840-EB36D6ADCB26}" srcId="{E29A2492-9359-421B-95D0-112FCDCED272}" destId="{B295FB8B-E557-4A42-A5CA-358D2E1D6003}" srcOrd="1" destOrd="0" parTransId="{B95ABB46-B49C-4483-A08E-085CBED32384}" sibTransId="{B37DB9B5-BEF3-47B2-BAD7-D44E7E20A131}"/>
+    <dgm:cxn modelId="{7A4CE4CB-1802-485F-AF78-E4122640718A}" type="presOf" srcId="{03BFAE88-CBD4-4E2A-BD9B-C866C4356FD9}" destId="{B50BB41E-CB27-4BB9-95E2-E59ED038B88D}" srcOrd="0" destOrd="0" presId="urn:microsoft.com/office/officeart/2005/8/layout/hProcess4"/>
+    <dgm:cxn modelId="{7028AF15-68C7-40F4-8991-CB5D1AC3550E}" srcId="{065F0170-6FC0-45AF-9E79-E41297FBCC78}" destId="{03BFAE88-CBD4-4E2A-BD9B-C866C4356FD9}" srcOrd="0" destOrd="0" parTransId="{98965808-7E6C-4D22-95FC-BD0A087DA159}" sibTransId="{3CB10D57-F260-4681-AD4C-6061877C0435}"/>
+    <dgm:cxn modelId="{20EFA4A8-B7C1-4347-B91D-045E8E460CA2}" type="presOf" srcId="{778F2708-F4A9-4B4F-932F-CADF7604C1E4}" destId="{E4536C63-D04C-4C0A-B1AC-26B54B48C9ED}" srcOrd="0" destOrd="0" presId="urn:microsoft.com/office/officeart/2005/8/layout/hProcess4"/>
+    <dgm:cxn modelId="{D9C05285-B768-4BFC-BD7E-3E6BFDE918BE}" type="presOf" srcId="{7E550C28-F125-47A3-9766-469DF52252F9}" destId="{9E66591A-F860-41F0-BDDE-366E0A94C2E8}" srcOrd="0" destOrd="3" presId="urn:microsoft.com/office/officeart/2005/8/layout/hProcess4"/>
+    <dgm:cxn modelId="{48E42E95-DF90-4F5F-92EE-586B59BD1739}" type="presOf" srcId="{86337EDD-B11E-424F-B565-ECAEBDCB015E}" destId="{2CABBD81-09B3-470A-AC08-D64D0849A100}" srcOrd="0" destOrd="0" presId="urn:microsoft.com/office/officeart/2005/8/layout/hProcess4"/>
+    <dgm:cxn modelId="{96A73DB1-2420-4292-A7D0-003F11E446B2}" type="presOf" srcId="{23A12555-8F4B-4BC1-BFD1-66B7438526B9}" destId="{394F2B29-DBCF-4AED-8DE0-D2961F16A145}" srcOrd="1" destOrd="0" presId="urn:microsoft.com/office/officeart/2005/8/layout/hProcess4"/>
+    <dgm:cxn modelId="{DD651F4F-68F5-4C85-9AC8-EC40E1620BE7}" type="presOf" srcId="{3720C5A9-711D-47AA-BE8C-8830489769E8}" destId="{A3932BE4-307D-44AB-81DF-853D01A8D3B9}" srcOrd="1" destOrd="0" presId="urn:microsoft.com/office/officeart/2005/8/layout/hProcess4"/>
+    <dgm:cxn modelId="{B943210D-EADB-46EC-829E-7664F1881F74}" type="presOf" srcId="{0AF19D5A-79A3-40C3-B443-B33D3B419228}" destId="{9E66591A-F860-41F0-BDDE-366E0A94C2E8}" srcOrd="0" destOrd="2" presId="urn:microsoft.com/office/officeart/2005/8/layout/hProcess4"/>
+    <dgm:cxn modelId="{76402FA0-90E5-4E0E-BED6-FDDBFE4649BA}" srcId="{E29A2492-9359-421B-95D0-112FCDCED272}" destId="{3720C5A9-711D-47AA-BE8C-8830489769E8}" srcOrd="0" destOrd="0" parTransId="{4B165626-D450-48A7-B4FB-368AF7F28693}" sibTransId="{D0AE56D5-8983-4F66-8B1E-A316B6D203EC}"/>
+    <dgm:cxn modelId="{7F79A008-3FE7-488A-846B-69D7743EBDB3}" srcId="{22C9E094-4898-4E4F-85B3-9BCF9FE111F0}" destId="{23A12555-8F4B-4BC1-BFD1-66B7438526B9}" srcOrd="0" destOrd="0" parTransId="{51A53DD2-8C3D-4E57-B0F2-16FDDE097185}" sibTransId="{C5306358-B162-4D4B-A82A-7D7AD4745B72}"/>
+    <dgm:cxn modelId="{C92A2C1C-3B1C-4C8A-A6A6-C761BA14954C}" type="presOf" srcId="{03BFAE88-CBD4-4E2A-BD9B-C866C4356FD9}" destId="{2810BC6C-560C-482D-A50B-FEB668E5DAB7}" srcOrd="1" destOrd="0" presId="urn:microsoft.com/office/officeart/2005/8/layout/hProcess4"/>
+    <dgm:cxn modelId="{FF786512-4F9D-4EEF-B0B2-4A4E29136BFC}" type="presOf" srcId="{E29A2492-9359-421B-95D0-112FCDCED272}" destId="{878BB4B9-68A8-450C-8D3F-C5E24C27A162}" srcOrd="0" destOrd="0" presId="urn:microsoft.com/office/officeart/2005/8/layout/hProcess4"/>
+    <dgm:cxn modelId="{252FFB90-449A-4A10-81C9-564B946CAE4A}" type="presOf" srcId="{1BEBD129-E745-4A9D-9514-737C2968FD50}" destId="{2F483414-171A-4773-958A-CEABC3C31B16}" srcOrd="0" destOrd="0" presId="urn:microsoft.com/office/officeart/2005/8/layout/hProcess4"/>
+    <dgm:cxn modelId="{7E3108E0-0977-421E-A885-372DF5444FB9}" srcId="{66485F72-B3E6-4C6B-BFB9-9B7B9ABE6250}" destId="{065F0170-6FC0-45AF-9E79-E41297FBCC78}" srcOrd="3" destOrd="0" parTransId="{2B8529B7-E8C0-4279-9DAE-FD65CA43EA9E}" sibTransId="{739BCD2F-6404-4362-8D63-28E63AADD6D8}"/>
+    <dgm:cxn modelId="{C0083477-2C64-4E7C-B90D-5C29756F8F38}" type="presOf" srcId="{C175DCCC-7B32-4B05-97B1-FC108B11B050}" destId="{093F5B07-4594-4074-8026-1C7DE48FF0A4}" srcOrd="0" destOrd="0" presId="urn:microsoft.com/office/officeart/2005/8/layout/hProcess4"/>
+    <dgm:cxn modelId="{17DB756E-8924-42A3-BF41-98C53A5FFDA6}" srcId="{065F0170-6FC0-45AF-9E79-E41297FBCC78}" destId="{9AEE4A74-E0F5-4837-9AB7-EEEECD66C904}" srcOrd="1" destOrd="0" parTransId="{18CA9A35-CCC4-4605-89F3-BCB5B10C2624}" sibTransId="{BD10F962-B7B7-4957-AEBA-37D4C1F5FB73}"/>
+    <dgm:cxn modelId="{1AFE5539-F240-407F-A96A-3002E7B04CB9}" type="presOf" srcId="{3720C5A9-711D-47AA-BE8C-8830489769E8}" destId="{EF9783B8-4EFF-426C-9593-9CB5675D5AAE}" srcOrd="0" destOrd="0" presId="urn:microsoft.com/office/officeart/2005/8/layout/hProcess4"/>
+    <dgm:cxn modelId="{AE5CD824-76AA-4DD6-BC5F-5DD9CEDC4194}" srcId="{66485F72-B3E6-4C6B-BFB9-9B7B9ABE6250}" destId="{E29A2492-9359-421B-95D0-112FCDCED272}" srcOrd="1" destOrd="0" parTransId="{3CB89B26-B08E-4B8F-A7B2-8CA4E53FF76B}" sibTransId="{86337EDD-B11E-424F-B565-ECAEBDCB015E}"/>
+    <dgm:cxn modelId="{62061979-FBCF-4A78-98D3-DA963EB9E886}" type="presOf" srcId="{23A12555-8F4B-4BC1-BFD1-66B7438526B9}" destId="{9E66591A-F860-41F0-BDDE-366E0A94C2E8}" srcOrd="0" destOrd="0" presId="urn:microsoft.com/office/officeart/2005/8/layout/hProcess4"/>
     <dgm:cxn modelId="{D7B8A140-C266-4974-BE8A-FD5D02560006}" type="presOf" srcId="{16E1230E-7199-4A9A-A511-4CBA9385AF7F}" destId="{394F2B29-DBCF-4AED-8DE0-D2961F16A145}" srcOrd="1" destOrd="1" presId="urn:microsoft.com/office/officeart/2005/8/layout/hProcess4"/>
-    <dgm:cxn modelId="{CE6574F6-441B-4BC8-90A4-23128CEEE597}" type="presOf" srcId="{15EF25D2-4A56-4473-A91E-02619651F685}" destId="{31475E52-50CB-4F6B-B132-A3256EE2B0E5}" srcOrd="1" destOrd="0" presId="urn:microsoft.com/office/officeart/2005/8/layout/hProcess4"/>
-    <dgm:cxn modelId="{C1B56F7E-F05F-49C6-9F61-781D08CD85CE}" type="presOf" srcId="{1BEBD129-E745-4A9D-9514-737C2968FD50}" destId="{AB17B868-E034-44F8-B2FA-32484AC16A2F}" srcOrd="0" destOrd="0" presId="urn:microsoft.com/office/officeart/2005/8/layout/hProcess4"/>
-    <dgm:cxn modelId="{7F79A008-3FE7-488A-846B-69D7743EBDB3}" srcId="{22C9E094-4898-4E4F-85B3-9BCF9FE111F0}" destId="{23A12555-8F4B-4BC1-BFD1-66B7438526B9}" srcOrd="0" destOrd="0" parTransId="{51A53DD2-8C3D-4E57-B0F2-16FDDE097185}" sibTransId="{C5306358-B162-4D4B-A82A-7D7AD4745B72}"/>
-    <dgm:cxn modelId="{7C802D76-A901-421E-9B6F-940A9D70BF57}" srcId="{E29A2492-9359-421B-95D0-112FCDCED272}" destId="{752CAC77-1B7D-4A16-8C8D-CE31BC567B9D}" srcOrd="0" destOrd="0" parTransId="{EB4DD5FC-6C15-418A-A3C3-EE9CE3D54C9F}" sibTransId="{93F66479-E602-4451-9D45-28AC9604AD41}"/>
-    <dgm:cxn modelId="{63F43BC9-D099-4C80-9F76-2D747C73C04A}" srcId="{1BEBD129-E745-4A9D-9514-737C2968FD50}" destId="{17CF127F-5472-45BB-9E78-966415DA6405}" srcOrd="0" destOrd="0" parTransId="{BEFC908F-DDB3-415E-AEAE-802E59C8A0E1}" sibTransId="{1FFF8C08-94D1-42DC-BD8A-62791B1835BC}"/>
-    <dgm:cxn modelId="{815744E6-3E7D-4F05-9834-8CA62326D50C}" srcId="{22C9E094-4898-4E4F-85B3-9BCF9FE111F0}" destId="{0AF19D5A-79A3-40C3-B443-B33D3B419228}" srcOrd="2" destOrd="0" parTransId="{5798DC6A-7A86-4802-AF52-52E8011649F1}" sibTransId="{C06D11B7-C2C8-4B8A-93D9-676ED2D39BB9}"/>
-    <dgm:cxn modelId="{0E86850B-7E45-491E-98EA-5A1534879B48}" type="presOf" srcId="{752CAC77-1B7D-4A16-8C8D-CE31BC567B9D}" destId="{3F772DC5-AA18-432E-A368-14AC849EA3BE}" srcOrd="1" destOrd="0" presId="urn:microsoft.com/office/officeart/2005/8/layout/hProcess4"/>
-    <dgm:cxn modelId="{96A73DB1-2420-4292-A7D0-003F11E446B2}" type="presOf" srcId="{23A12555-8F4B-4BC1-BFD1-66B7438526B9}" destId="{394F2B29-DBCF-4AED-8DE0-D2961F16A145}" srcOrd="1" destOrd="0" presId="urn:microsoft.com/office/officeart/2005/8/layout/hProcess4"/>
-    <dgm:cxn modelId="{D9C05285-B768-4BFC-BD7E-3E6BFDE918BE}" type="presOf" srcId="{7E550C28-F125-47A3-9766-469DF52252F9}" destId="{9E66591A-F860-41F0-BDDE-366E0A94C2E8}" srcOrd="0" destOrd="3" presId="urn:microsoft.com/office/officeart/2005/8/layout/hProcess4"/>
-    <dgm:cxn modelId="{C5493C08-E06E-41D7-8C28-7536E5E0711A}" type="presOf" srcId="{78D1B6B3-05D9-49F0-904B-C3CF1F0406FB}" destId="{C95B669E-1807-4AA3-98A1-A8728D57C2C7}" srcOrd="0" destOrd="0" presId="urn:microsoft.com/office/officeart/2005/8/layout/hProcess4"/>
-    <dgm:cxn modelId="{99274D70-F2C8-40C7-808F-6AC0414E5469}" srcId="{F3FA68A8-5DE9-4EA1-9AB7-67597E99F7A7}" destId="{15EF25D2-4A56-4473-A91E-02619651F685}" srcOrd="0" destOrd="0" parTransId="{D149AD2F-3B07-40A1-B2CE-D069A7A681A0}" sibTransId="{A9D27F4E-826B-4603-BB69-B35B9D884B6B}"/>
-    <dgm:cxn modelId="{9B1A11A8-6D66-4D34-BE07-26D1FA8C96BF}" srcId="{22C9E094-4898-4E4F-85B3-9BCF9FE111F0}" destId="{7E550C28-F125-47A3-9766-469DF52252F9}" srcOrd="3" destOrd="0" parTransId="{E9D0C25A-CE47-4AAE-B07A-1E2E97E474D1}" sibTransId="{1AA25794-BBD5-4584-99BE-C3F50A49E62A}"/>
-    <dgm:cxn modelId="{4D1FD16E-83E6-4742-8EAE-B8A371473D44}" type="presOf" srcId="{17CF127F-5472-45BB-9E78-966415DA6405}" destId="{66D2C913-D6C8-4B43-BCD8-4A6C47C7FF27}" srcOrd="1" destOrd="0" presId="urn:microsoft.com/office/officeart/2005/8/layout/hProcess4"/>
-    <dgm:cxn modelId="{B943210D-EADB-46EC-829E-7664F1881F74}" type="presOf" srcId="{0AF19D5A-79A3-40C3-B443-B33D3B419228}" destId="{9E66591A-F860-41F0-BDDE-366E0A94C2E8}" srcOrd="0" destOrd="2" presId="urn:microsoft.com/office/officeart/2005/8/layout/hProcess4"/>
-    <dgm:cxn modelId="{E99D4C9A-5DE9-4EF7-8811-1F71813BF6E1}" type="presOf" srcId="{F3FA68A8-5DE9-4EA1-9AB7-67597E99F7A7}" destId="{DB5FF16D-E468-4D37-8973-2DB2EAF85B67}" srcOrd="0" destOrd="0" presId="urn:microsoft.com/office/officeart/2005/8/layout/hProcess4"/>
-    <dgm:cxn modelId="{AE5CD824-76AA-4DD6-BC5F-5DD9CEDC4194}" srcId="{66485F72-B3E6-4C6B-BFB9-9B7B9ABE6250}" destId="{E29A2492-9359-421B-95D0-112FCDCED272}" srcOrd="2" destOrd="0" parTransId="{3CB89B26-B08E-4B8F-A7B2-8CA4E53FF76B}" sibTransId="{86337EDD-B11E-424F-B565-ECAEBDCB015E}"/>
-    <dgm:cxn modelId="{3F8C4AB1-E41D-4B03-A649-2DF7657BB7E5}" srcId="{66485F72-B3E6-4C6B-BFB9-9B7B9ABE6250}" destId="{F3FA68A8-5DE9-4EA1-9AB7-67597E99F7A7}" srcOrd="1" destOrd="0" parTransId="{34131C55-0977-4757-8D86-4DBCC9DD3AE1}" sibTransId="{78D1B6B3-05D9-49F0-904B-C3CF1F0406FB}"/>
-    <dgm:cxn modelId="{20EFA4A8-B7C1-4347-B91D-045E8E460CA2}" type="presOf" srcId="{778F2708-F4A9-4B4F-932F-CADF7604C1E4}" destId="{E4536C63-D04C-4C0A-B1AC-26B54B48C9ED}" srcOrd="0" destOrd="0" presId="urn:microsoft.com/office/officeart/2005/8/layout/hProcess4"/>
-    <dgm:cxn modelId="{EBBED8E9-8984-461B-97AE-AF4433257FDE}" type="presOf" srcId="{66485F72-B3E6-4C6B-BFB9-9B7B9ABE6250}" destId="{7E6789B2-7E8E-4912-BEEF-953E8263AED8}" srcOrd="0" destOrd="0" presId="urn:microsoft.com/office/officeart/2005/8/layout/hProcess4"/>
-    <dgm:cxn modelId="{C29922FF-0067-40BE-901C-BDF806CAEDB9}" type="presOf" srcId="{86337EDD-B11E-424F-B565-ECAEBDCB015E}" destId="{CFCACBD0-A32E-4EC1-B16C-4AB26315F19F}" srcOrd="0" destOrd="0" presId="urn:microsoft.com/office/officeart/2005/8/layout/hProcess4"/>
-    <dgm:cxn modelId="{4A4DD1E3-D691-492E-8F90-5BD5D40E77DB}" srcId="{66485F72-B3E6-4C6B-BFB9-9B7B9ABE6250}" destId="{1BEBD129-E745-4A9D-9514-737C2968FD50}" srcOrd="3" destOrd="0" parTransId="{90771046-52EC-4AF6-8FBD-7B35F028BA69}" sibTransId="{C175DCCC-7B32-4B05-97B1-FC108B11B050}"/>
+    <dgm:cxn modelId="{0EE2F4A5-E35A-4648-91A4-26D9871F3C15}" type="presOf" srcId="{B295FB8B-E557-4A42-A5CA-358D2E1D6003}" destId="{A3932BE4-307D-44AB-81DF-853D01A8D3B9}" srcOrd="1" destOrd="1" presId="urn:microsoft.com/office/officeart/2005/8/layout/hProcess4"/>
     <dgm:cxn modelId="{A903D9AC-0706-44D6-89B6-6FBA2240D6E1}" type="presOf" srcId="{22C9E094-4898-4E4F-85B3-9BCF9FE111F0}" destId="{3DE5A8B9-2F30-4E9F-B80E-E45CCA1EC6F3}" srcOrd="0" destOrd="0" presId="urn:microsoft.com/office/officeart/2005/8/layout/hProcess4"/>
-    <dgm:cxn modelId="{7B418079-F649-4BCD-B975-7035A24D15F1}" type="presOf" srcId="{752CAC77-1B7D-4A16-8C8D-CE31BC567B9D}" destId="{99461658-3001-464A-BA68-F51873BC7130}" srcOrd="0" destOrd="0" presId="urn:microsoft.com/office/officeart/2005/8/layout/hProcess4"/>
-    <dgm:cxn modelId="{18595CD8-15BE-47CA-AC32-8DB6B20E1F71}" srcId="{66485F72-B3E6-4C6B-BFB9-9B7B9ABE6250}" destId="{22C9E094-4898-4E4F-85B3-9BCF9FE111F0}" srcOrd="0" destOrd="0" parTransId="{1538121D-E8BA-4C85-B2C7-1A8131794B47}" sibTransId="{778F2708-F4A9-4B4F-932F-CADF7604C1E4}"/>
-    <dgm:cxn modelId="{718BEB1E-AAAB-4C90-924D-9E0C2B803A71}" type="presOf" srcId="{E29A2492-9359-421B-95D0-112FCDCED272}" destId="{B79FC3A8-661E-41E8-B79F-1EA5926A51C5}" srcOrd="0" destOrd="0" presId="urn:microsoft.com/office/officeart/2005/8/layout/hProcess4"/>
+    <dgm:cxn modelId="{4A4DD1E3-D691-492E-8F90-5BD5D40E77DB}" srcId="{66485F72-B3E6-4C6B-BFB9-9B7B9ABE6250}" destId="{1BEBD129-E745-4A9D-9514-737C2968FD50}" srcOrd="2" destOrd="0" parTransId="{90771046-52EC-4AF6-8FBD-7B35F028BA69}" sibTransId="{C175DCCC-7B32-4B05-97B1-FC108B11B050}"/>
+    <dgm:cxn modelId="{5A53F046-352A-4CF5-886F-21D22A9491A3}" type="presOf" srcId="{B295FB8B-E557-4A42-A5CA-358D2E1D6003}" destId="{EF9783B8-4EFF-426C-9593-9CB5675D5AAE}" srcOrd="0" destOrd="1" presId="urn:microsoft.com/office/officeart/2005/8/layout/hProcess4"/>
+    <dgm:cxn modelId="{CA24825D-85DB-44A9-AC61-2FB77C55052F}" type="presOf" srcId="{065F0170-6FC0-45AF-9E79-E41297FBCC78}" destId="{91276460-7F6A-4C83-8AF8-5A7D4578DB37}" srcOrd="0" destOrd="0" presId="urn:microsoft.com/office/officeart/2005/8/layout/hProcess4"/>
     <dgm:cxn modelId="{28B3243E-3D34-4C7E-88EE-5867E7A98D40}" type="presOf" srcId="{7E550C28-F125-47A3-9766-469DF52252F9}" destId="{394F2B29-DBCF-4AED-8DE0-D2961F16A145}" srcOrd="1" destOrd="3" presId="urn:microsoft.com/office/officeart/2005/8/layout/hProcess4"/>
     <dgm:cxn modelId="{BE2EEBAB-DEB7-4818-8C82-94B3DB71E285}" type="presOf" srcId="{0AF19D5A-79A3-40C3-B443-B33D3B419228}" destId="{394F2B29-DBCF-4AED-8DE0-D2961F16A145}" srcOrd="1" destOrd="2" presId="urn:microsoft.com/office/officeart/2005/8/layout/hProcess4"/>
-    <dgm:cxn modelId="{0707C0B8-8485-4C7B-86A0-9F114A2F45C3}" type="presOf" srcId="{17CF127F-5472-45BB-9E78-966415DA6405}" destId="{C1D339B4-DF39-4103-9569-05A2D87FAF90}" srcOrd="0" destOrd="0" presId="urn:microsoft.com/office/officeart/2005/8/layout/hProcess4"/>
-    <dgm:cxn modelId="{2C5E15B8-4728-4030-B580-8FB6F67923E1}" srcId="{22C9E094-4898-4E4F-85B3-9BCF9FE111F0}" destId="{16E1230E-7199-4A9A-A511-4CBA9385AF7F}" srcOrd="1" destOrd="0" parTransId="{60FE77BD-5030-4A43-880D-51BC9B5438BA}" sibTransId="{DC77E76B-EDF1-4CDD-82D9-4D3263AD411D}"/>
-    <dgm:cxn modelId="{62061979-FBCF-4A78-98D3-DA963EB9E886}" type="presOf" srcId="{23A12555-8F4B-4BC1-BFD1-66B7438526B9}" destId="{9E66591A-F860-41F0-BDDE-366E0A94C2E8}" srcOrd="0" destOrd="0" presId="urn:microsoft.com/office/officeart/2005/8/layout/hProcess4"/>
+    <dgm:cxn modelId="{815744E6-3E7D-4F05-9834-8CA62326D50C}" srcId="{22C9E094-4898-4E4F-85B3-9BCF9FE111F0}" destId="{0AF19D5A-79A3-40C3-B443-B33D3B419228}" srcOrd="2" destOrd="0" parTransId="{5798DC6A-7A86-4802-AF52-52E8011649F1}" sibTransId="{C06D11B7-C2C8-4B8A-93D9-676ED2D39BB9}"/>
+    <dgm:cxn modelId="{EBBED8E9-8984-461B-97AE-AF4433257FDE}" type="presOf" srcId="{66485F72-B3E6-4C6B-BFB9-9B7B9ABE6250}" destId="{7E6789B2-7E8E-4912-BEEF-953E8263AED8}" srcOrd="0" destOrd="0" presId="urn:microsoft.com/office/officeart/2005/8/layout/hProcess4"/>
+    <dgm:cxn modelId="{2205DB56-34C2-45E2-A2AD-126700D49B97}" type="presOf" srcId="{17CF127F-5472-45BB-9E78-966415DA6405}" destId="{FC20E445-3AAE-47AA-A9B2-94751BE224BD}" srcOrd="1" destOrd="0" presId="urn:microsoft.com/office/officeart/2005/8/layout/hProcess4"/>
+    <dgm:cxn modelId="{75D5C1F5-B931-413D-886C-D4EBEE6875B8}" type="presOf" srcId="{9AEE4A74-E0F5-4837-9AB7-EEEECD66C904}" destId="{2810BC6C-560C-482D-A50B-FEB668E5DAB7}" srcOrd="1" destOrd="1" presId="urn:microsoft.com/office/officeart/2005/8/layout/hProcess4"/>
     <dgm:cxn modelId="{22719880-8566-46BB-80BD-9A31856B5AA1}" type="presParOf" srcId="{7E6789B2-7E8E-4912-BEEF-953E8263AED8}" destId="{62644B12-DE33-4C0F-ACF3-0C68BE1B6173}" srcOrd="0" destOrd="0" presId="urn:microsoft.com/office/officeart/2005/8/layout/hProcess4"/>
     <dgm:cxn modelId="{2F906112-F0B6-46E8-A1A0-D0827A28F0EF}" type="presParOf" srcId="{7E6789B2-7E8E-4912-BEEF-953E8263AED8}" destId="{054B5698-850D-4FE0-B074-E97A2326772C}" srcOrd="1" destOrd="0" presId="urn:microsoft.com/office/officeart/2005/8/layout/hProcess4"/>
     <dgm:cxn modelId="{D5A0B285-AE52-47BA-B8D7-EF4810635ABD}" type="presParOf" srcId="{7E6789B2-7E8E-4912-BEEF-953E8263AED8}" destId="{A8D82DD4-6A18-4D1F-9DDF-CBB8711F2BE6}" srcOrd="2" destOrd="0" presId="urn:microsoft.com/office/officeart/2005/8/layout/hProcess4"/>
@@ -1613,26 +1679,26 @@
     <dgm:cxn modelId="{15D74232-3AB6-489C-B0D3-0FD210B99491}" type="presParOf" srcId="{091184FD-1452-4A61-BCE1-03CE24C7F6B2}" destId="{3DE5A8B9-2F30-4E9F-B80E-E45CCA1EC6F3}" srcOrd="3" destOrd="0" presId="urn:microsoft.com/office/officeart/2005/8/layout/hProcess4"/>
     <dgm:cxn modelId="{391D4513-B25E-4499-ACD8-D54516736797}" type="presParOf" srcId="{091184FD-1452-4A61-BCE1-03CE24C7F6B2}" destId="{2C553667-EBC5-41A3-8117-8C55CF686CCB}" srcOrd="4" destOrd="0" presId="urn:microsoft.com/office/officeart/2005/8/layout/hProcess4"/>
     <dgm:cxn modelId="{11FE7D7C-3D68-4C9F-9F18-EB2D97F7DA09}" type="presParOf" srcId="{A8D82DD4-6A18-4D1F-9DDF-CBB8711F2BE6}" destId="{E4536C63-D04C-4C0A-B1AC-26B54B48C9ED}" srcOrd="1" destOrd="0" presId="urn:microsoft.com/office/officeart/2005/8/layout/hProcess4"/>
-    <dgm:cxn modelId="{3348F303-4045-4C99-83B7-236C394620EE}" type="presParOf" srcId="{A8D82DD4-6A18-4D1F-9DDF-CBB8711F2BE6}" destId="{64C693BB-FE55-4547-9B6F-8D6D726CAEA9}" srcOrd="2" destOrd="0" presId="urn:microsoft.com/office/officeart/2005/8/layout/hProcess4"/>
-    <dgm:cxn modelId="{364504D0-9A4A-4958-AFA2-6923826A434A}" type="presParOf" srcId="{64C693BB-FE55-4547-9B6F-8D6D726CAEA9}" destId="{F395DD25-42E4-4476-A64D-47B78E949DE5}" srcOrd="0" destOrd="0" presId="urn:microsoft.com/office/officeart/2005/8/layout/hProcess4"/>
-    <dgm:cxn modelId="{13CBFF81-E385-49C7-B4BD-FFD69D605938}" type="presParOf" srcId="{64C693BB-FE55-4547-9B6F-8D6D726CAEA9}" destId="{335AE672-2BC9-40D8-9DE9-15A2338B13A9}" srcOrd="1" destOrd="0" presId="urn:microsoft.com/office/officeart/2005/8/layout/hProcess4"/>
-    <dgm:cxn modelId="{87439BDE-3899-47BA-B464-032C579FB6EC}" type="presParOf" srcId="{64C693BB-FE55-4547-9B6F-8D6D726CAEA9}" destId="{31475E52-50CB-4F6B-B132-A3256EE2B0E5}" srcOrd="2" destOrd="0" presId="urn:microsoft.com/office/officeart/2005/8/layout/hProcess4"/>
-    <dgm:cxn modelId="{6FA958C5-F586-41CC-9066-F09238ADC900}" type="presParOf" srcId="{64C693BB-FE55-4547-9B6F-8D6D726CAEA9}" destId="{DB5FF16D-E468-4D37-8973-2DB2EAF85B67}" srcOrd="3" destOrd="0" presId="urn:microsoft.com/office/officeart/2005/8/layout/hProcess4"/>
-    <dgm:cxn modelId="{3540D68F-DACF-4AE7-AFA1-43681059E3E6}" type="presParOf" srcId="{64C693BB-FE55-4547-9B6F-8D6D726CAEA9}" destId="{1A6C9B4D-AFF1-4300-9B2B-99190D489EF6}" srcOrd="4" destOrd="0" presId="urn:microsoft.com/office/officeart/2005/8/layout/hProcess4"/>
-    <dgm:cxn modelId="{48CF617B-15AC-46E6-B4B4-FAB2795850F5}" type="presParOf" srcId="{A8D82DD4-6A18-4D1F-9DDF-CBB8711F2BE6}" destId="{C95B669E-1807-4AA3-98A1-A8728D57C2C7}" srcOrd="3" destOrd="0" presId="urn:microsoft.com/office/officeart/2005/8/layout/hProcess4"/>
-    <dgm:cxn modelId="{8593A5B6-2EB5-4D61-A25A-CBAF488DE0DB}" type="presParOf" srcId="{A8D82DD4-6A18-4D1F-9DDF-CBB8711F2BE6}" destId="{78DEE361-8254-41E3-A7F3-92E4526EAAD6}" srcOrd="4" destOrd="0" presId="urn:microsoft.com/office/officeart/2005/8/layout/hProcess4"/>
-    <dgm:cxn modelId="{AB230F59-46F2-40A2-8D87-B637BCB8239E}" type="presParOf" srcId="{78DEE361-8254-41E3-A7F3-92E4526EAAD6}" destId="{4DCE4455-1550-48DD-964B-D3715C4FE4E1}" srcOrd="0" destOrd="0" presId="urn:microsoft.com/office/officeart/2005/8/layout/hProcess4"/>
-    <dgm:cxn modelId="{F1C246C3-5F64-4FD3-881E-B4D49F341783}" type="presParOf" srcId="{78DEE361-8254-41E3-A7F3-92E4526EAAD6}" destId="{99461658-3001-464A-BA68-F51873BC7130}" srcOrd="1" destOrd="0" presId="urn:microsoft.com/office/officeart/2005/8/layout/hProcess4"/>
-    <dgm:cxn modelId="{8B8D0979-57BA-43D5-B6C0-E363897CE5C9}" type="presParOf" srcId="{78DEE361-8254-41E3-A7F3-92E4526EAAD6}" destId="{3F772DC5-AA18-432E-A368-14AC849EA3BE}" srcOrd="2" destOrd="0" presId="urn:microsoft.com/office/officeart/2005/8/layout/hProcess4"/>
-    <dgm:cxn modelId="{7F6EC332-F7AE-44B1-9504-6F3AB26B3C36}" type="presParOf" srcId="{78DEE361-8254-41E3-A7F3-92E4526EAAD6}" destId="{B79FC3A8-661E-41E8-B79F-1EA5926A51C5}" srcOrd="3" destOrd="0" presId="urn:microsoft.com/office/officeart/2005/8/layout/hProcess4"/>
-    <dgm:cxn modelId="{9567AC87-E999-4BA9-9F5E-DFD598C30898}" type="presParOf" srcId="{78DEE361-8254-41E3-A7F3-92E4526EAAD6}" destId="{FD9B285C-FC1B-4AED-8B1E-76DC4C9F68C4}" srcOrd="4" destOrd="0" presId="urn:microsoft.com/office/officeart/2005/8/layout/hProcess4"/>
-    <dgm:cxn modelId="{C5AD994C-D120-4408-A587-F636BB367DEE}" type="presParOf" srcId="{A8D82DD4-6A18-4D1F-9DDF-CBB8711F2BE6}" destId="{CFCACBD0-A32E-4EC1-B16C-4AB26315F19F}" srcOrd="5" destOrd="0" presId="urn:microsoft.com/office/officeart/2005/8/layout/hProcess4"/>
-    <dgm:cxn modelId="{B19BB9F3-156F-4136-8E46-38C09D8B57C5}" type="presParOf" srcId="{A8D82DD4-6A18-4D1F-9DDF-CBB8711F2BE6}" destId="{F2F3CC6E-68B3-45E7-8ECB-8FE894940181}" srcOrd="6" destOrd="0" presId="urn:microsoft.com/office/officeart/2005/8/layout/hProcess4"/>
-    <dgm:cxn modelId="{E1BA637E-3444-4E8E-9BA3-3F5DE342B142}" type="presParOf" srcId="{F2F3CC6E-68B3-45E7-8ECB-8FE894940181}" destId="{ECCFE97D-6DE0-4180-BACB-88D670AEC4E1}" srcOrd="0" destOrd="0" presId="urn:microsoft.com/office/officeart/2005/8/layout/hProcess4"/>
-    <dgm:cxn modelId="{B037A409-EB49-49B3-810C-6FAD67836D33}" type="presParOf" srcId="{F2F3CC6E-68B3-45E7-8ECB-8FE894940181}" destId="{C1D339B4-DF39-4103-9569-05A2D87FAF90}" srcOrd="1" destOrd="0" presId="urn:microsoft.com/office/officeart/2005/8/layout/hProcess4"/>
-    <dgm:cxn modelId="{73A46EF3-9DA2-4104-BF4A-603C47BFB40D}" type="presParOf" srcId="{F2F3CC6E-68B3-45E7-8ECB-8FE894940181}" destId="{66D2C913-D6C8-4B43-BCD8-4A6C47C7FF27}" srcOrd="2" destOrd="0" presId="urn:microsoft.com/office/officeart/2005/8/layout/hProcess4"/>
-    <dgm:cxn modelId="{596FFDD2-06CB-416A-BEA6-C7451FD74C44}" type="presParOf" srcId="{F2F3CC6E-68B3-45E7-8ECB-8FE894940181}" destId="{AB17B868-E034-44F8-B2FA-32484AC16A2F}" srcOrd="3" destOrd="0" presId="urn:microsoft.com/office/officeart/2005/8/layout/hProcess4"/>
-    <dgm:cxn modelId="{4EEFD274-07F9-41F5-BA5F-5DCA964B7EB8}" type="presParOf" srcId="{F2F3CC6E-68B3-45E7-8ECB-8FE894940181}" destId="{E1B340DD-AC5F-40FD-883F-C6164215A403}" srcOrd="4" destOrd="0" presId="urn:microsoft.com/office/officeart/2005/8/layout/hProcess4"/>
+    <dgm:cxn modelId="{8E712004-88DD-40BE-BB4E-9C1F6C059702}" type="presParOf" srcId="{A8D82DD4-6A18-4D1F-9DDF-CBB8711F2BE6}" destId="{D71E17A4-6BA2-46EC-8384-E57D5E5BD9B7}" srcOrd="2" destOrd="0" presId="urn:microsoft.com/office/officeart/2005/8/layout/hProcess4"/>
+    <dgm:cxn modelId="{AEBA37A0-8635-4F9B-B25F-7839956B6401}" type="presParOf" srcId="{D71E17A4-6BA2-46EC-8384-E57D5E5BD9B7}" destId="{C957C2B0-D6BA-4F47-B816-11D3A2F779D0}" srcOrd="0" destOrd="0" presId="urn:microsoft.com/office/officeart/2005/8/layout/hProcess4"/>
+    <dgm:cxn modelId="{F859A3BB-B92A-43EB-92C1-43FCCD27D92B}" type="presParOf" srcId="{D71E17A4-6BA2-46EC-8384-E57D5E5BD9B7}" destId="{EF9783B8-4EFF-426C-9593-9CB5675D5AAE}" srcOrd="1" destOrd="0" presId="urn:microsoft.com/office/officeart/2005/8/layout/hProcess4"/>
+    <dgm:cxn modelId="{D8CC401F-0CEB-48FA-A2FA-0C7983C77FC6}" type="presParOf" srcId="{D71E17A4-6BA2-46EC-8384-E57D5E5BD9B7}" destId="{A3932BE4-307D-44AB-81DF-853D01A8D3B9}" srcOrd="2" destOrd="0" presId="urn:microsoft.com/office/officeart/2005/8/layout/hProcess4"/>
+    <dgm:cxn modelId="{BE44BFD4-9AF4-4CD3-8BB4-316D972D0F3A}" type="presParOf" srcId="{D71E17A4-6BA2-46EC-8384-E57D5E5BD9B7}" destId="{878BB4B9-68A8-450C-8D3F-C5E24C27A162}" srcOrd="3" destOrd="0" presId="urn:microsoft.com/office/officeart/2005/8/layout/hProcess4"/>
+    <dgm:cxn modelId="{C1F94E75-3E99-4840-8BAA-5BFE266BF443}" type="presParOf" srcId="{D71E17A4-6BA2-46EC-8384-E57D5E5BD9B7}" destId="{2043CB64-3B0F-4F90-8B01-DAB23DF6A3C0}" srcOrd="4" destOrd="0" presId="urn:microsoft.com/office/officeart/2005/8/layout/hProcess4"/>
+    <dgm:cxn modelId="{17361B1E-F50A-433F-ABD0-9AD7640174C5}" type="presParOf" srcId="{A8D82DD4-6A18-4D1F-9DDF-CBB8711F2BE6}" destId="{2CABBD81-09B3-470A-AC08-D64D0849A100}" srcOrd="3" destOrd="0" presId="urn:microsoft.com/office/officeart/2005/8/layout/hProcess4"/>
+    <dgm:cxn modelId="{27633FE2-B221-42FD-BD1A-8CDB58A18BF7}" type="presParOf" srcId="{A8D82DD4-6A18-4D1F-9DDF-CBB8711F2BE6}" destId="{B8B74022-69A8-49EA-BF45-39E49E07DBBA}" srcOrd="4" destOrd="0" presId="urn:microsoft.com/office/officeart/2005/8/layout/hProcess4"/>
+    <dgm:cxn modelId="{8C8338F8-BAD5-4366-B7EB-DFC337414072}" type="presParOf" srcId="{B8B74022-69A8-49EA-BF45-39E49E07DBBA}" destId="{140E299B-CA57-43D1-AF15-C97E1FC1A0CC}" srcOrd="0" destOrd="0" presId="urn:microsoft.com/office/officeart/2005/8/layout/hProcess4"/>
+    <dgm:cxn modelId="{BE60BC32-53CF-468C-8A4E-E3E2F0F65239}" type="presParOf" srcId="{B8B74022-69A8-49EA-BF45-39E49E07DBBA}" destId="{BE9EB199-6B03-4364-8070-BEB8F9E211CD}" srcOrd="1" destOrd="0" presId="urn:microsoft.com/office/officeart/2005/8/layout/hProcess4"/>
+    <dgm:cxn modelId="{D25F78A7-3A03-491B-8E2E-FF9465B02D6B}" type="presParOf" srcId="{B8B74022-69A8-49EA-BF45-39E49E07DBBA}" destId="{FC20E445-3AAE-47AA-A9B2-94751BE224BD}" srcOrd="2" destOrd="0" presId="urn:microsoft.com/office/officeart/2005/8/layout/hProcess4"/>
+    <dgm:cxn modelId="{0AEABA27-3BDA-4AA3-B992-683BE6D3A882}" type="presParOf" srcId="{B8B74022-69A8-49EA-BF45-39E49E07DBBA}" destId="{2F483414-171A-4773-958A-CEABC3C31B16}" srcOrd="3" destOrd="0" presId="urn:microsoft.com/office/officeart/2005/8/layout/hProcess4"/>
+    <dgm:cxn modelId="{955834E7-302E-48BA-9D36-F779901DD2AB}" type="presParOf" srcId="{B8B74022-69A8-49EA-BF45-39E49E07DBBA}" destId="{5F2052BA-C766-4795-8D05-39C6B2C971AD}" srcOrd="4" destOrd="0" presId="urn:microsoft.com/office/officeart/2005/8/layout/hProcess4"/>
+    <dgm:cxn modelId="{41521E64-8002-43EF-9CAD-95F51351B626}" type="presParOf" srcId="{A8D82DD4-6A18-4D1F-9DDF-CBB8711F2BE6}" destId="{093F5B07-4594-4074-8026-1C7DE48FF0A4}" srcOrd="5" destOrd="0" presId="urn:microsoft.com/office/officeart/2005/8/layout/hProcess4"/>
+    <dgm:cxn modelId="{9152054B-D5BF-40D1-8FBA-D48C25DE9BBD}" type="presParOf" srcId="{A8D82DD4-6A18-4D1F-9DDF-CBB8711F2BE6}" destId="{78773621-9456-4A11-80DE-F0E65035763E}" srcOrd="6" destOrd="0" presId="urn:microsoft.com/office/officeart/2005/8/layout/hProcess4"/>
+    <dgm:cxn modelId="{23FDD35C-9D62-4692-B070-9EB2821A1920}" type="presParOf" srcId="{78773621-9456-4A11-80DE-F0E65035763E}" destId="{154EB4F6-C136-4EE5-A471-04AC25A1AE20}" srcOrd="0" destOrd="0" presId="urn:microsoft.com/office/officeart/2005/8/layout/hProcess4"/>
+    <dgm:cxn modelId="{90BDA287-E1C1-413F-AF61-87DF75A82E03}" type="presParOf" srcId="{78773621-9456-4A11-80DE-F0E65035763E}" destId="{B50BB41E-CB27-4BB9-95E2-E59ED038B88D}" srcOrd="1" destOrd="0" presId="urn:microsoft.com/office/officeart/2005/8/layout/hProcess4"/>
+    <dgm:cxn modelId="{C9E3C006-89A8-4104-9DA2-01EFA3F2D4DD}" type="presParOf" srcId="{78773621-9456-4A11-80DE-F0E65035763E}" destId="{2810BC6C-560C-482D-A50B-FEB668E5DAB7}" srcOrd="2" destOrd="0" presId="urn:microsoft.com/office/officeart/2005/8/layout/hProcess4"/>
+    <dgm:cxn modelId="{161A4B73-D05C-49AD-BF77-9868BAFC1EEF}" type="presParOf" srcId="{78773621-9456-4A11-80DE-F0E65035763E}" destId="{91276460-7F6A-4C83-8AF8-5A7D4578DB37}" srcOrd="3" destOrd="0" presId="urn:microsoft.com/office/officeart/2005/8/layout/hProcess4"/>
+    <dgm:cxn modelId="{4559D06E-103F-4BEA-AEA3-ACF18DFE2D5D}" type="presParOf" srcId="{78773621-9456-4A11-80DE-F0E65035763E}" destId="{7EB698CF-6612-4A37-B444-7DC9FC7CBA19}" srcOrd="4" destOrd="0" presId="urn:microsoft.com/office/officeart/2005/8/layout/hProcess4"/>
   </dgm:cxnLst>
   <dgm:bg/>
   <dgm:whole/>
@@ -1702,12 +1768,12 @@
         <a:fontRef idx="minor"/>
       </dsp:style>
       <dsp:txBody>
-        <a:bodyPr spcFirstLastPara="0" vert="horz" wrap="square" lIns="30480" tIns="30480" rIns="30480" bIns="30480" numCol="1" spcCol="1270" anchor="t" anchorCtr="0">
+        <a:bodyPr spcFirstLastPara="0" vert="horz" wrap="square" lIns="24765" tIns="24765" rIns="24765" bIns="24765" numCol="1" spcCol="1270" anchor="t" anchorCtr="0">
           <a:noAutofit/>
         </a:bodyPr>
         <a:lstStyle/>
         <a:p>
-          <a:pPr marL="171450" lvl="1" indent="-171450" algn="l" defTabSz="711200">
+          <a:pPr marL="114300" lvl="1" indent="-114300" algn="l" defTabSz="577850">
             <a:lnSpc>
               <a:spcPct val="90000"/>
             </a:lnSpc>
@@ -1720,13 +1786,13 @@
             <a:buChar char="••"/>
           </a:pPr>
           <a:r>
-            <a:rPr lang="en-US" sz="1600" kern="1200" dirty="0" smtClean="0"/>
+            <a:rPr lang="en-US" sz="1300" kern="1200" dirty="0" smtClean="0"/>
             <a:t>Initial Conditions</a:t>
           </a:r>
-          <a:endParaRPr lang="en-US" sz="1600" kern="1200" dirty="0"/>
+          <a:endParaRPr lang="en-US" sz="1300" kern="1200" dirty="0"/>
         </a:p>
         <a:p>
-          <a:pPr marL="171450" lvl="1" indent="-171450" algn="l" defTabSz="711200">
+          <a:pPr marL="114300" lvl="1" indent="-114300" algn="l" defTabSz="577850">
             <a:lnSpc>
               <a:spcPct val="90000"/>
             </a:lnSpc>
@@ -1739,13 +1805,13 @@
             <a:buChar char="••"/>
           </a:pPr>
           <a:r>
-            <a:rPr lang="en-US" sz="1600" kern="1200" dirty="0" smtClean="0"/>
+            <a:rPr lang="en-US" sz="1300" kern="1200" dirty="0" smtClean="0"/>
             <a:t>Forces</a:t>
           </a:r>
-          <a:endParaRPr lang="en-US" sz="1600" kern="1200" dirty="0"/>
+          <a:endParaRPr lang="en-US" sz="1300" kern="1200" dirty="0"/>
         </a:p>
         <a:p>
-          <a:pPr marL="171450" lvl="1" indent="-171450" algn="l" defTabSz="711200">
+          <a:pPr marL="114300" lvl="1" indent="-114300" algn="l" defTabSz="577850">
             <a:lnSpc>
               <a:spcPct val="90000"/>
             </a:lnSpc>
@@ -1758,13 +1824,13 @@
             <a:buChar char="••"/>
           </a:pPr>
           <a:r>
-            <a:rPr lang="en-US" sz="1600" kern="1200" dirty="0" smtClean="0"/>
+            <a:rPr lang="en-US" sz="1300" kern="1200" dirty="0" smtClean="0"/>
             <a:t>Moments</a:t>
           </a:r>
-          <a:endParaRPr lang="en-US" sz="1600" kern="1200" dirty="0"/>
+          <a:endParaRPr lang="en-US" sz="1300" kern="1200" dirty="0"/>
         </a:p>
         <a:p>
-          <a:pPr marL="171450" lvl="1" indent="-171450" algn="l" defTabSz="711200">
+          <a:pPr marL="114300" lvl="1" indent="-114300" algn="l" defTabSz="577850">
             <a:lnSpc>
               <a:spcPct val="90000"/>
             </a:lnSpc>
@@ -1777,10 +1843,10 @@
             <a:buChar char="••"/>
           </a:pPr>
           <a:r>
-            <a:rPr lang="en-US" sz="1600" kern="1200" dirty="0" smtClean="0"/>
+            <a:rPr lang="en-US" sz="1300" kern="1200" dirty="0" smtClean="0"/>
             <a:t>Inertia &amp; Mass</a:t>
           </a:r>
-          <a:endParaRPr lang="en-US" sz="1600" kern="1200" dirty="0"/>
+          <a:endParaRPr lang="en-US" sz="1300" kern="1200" dirty="0"/>
         </a:p>
       </dsp:txBody>
       <dsp:txXfrm>
@@ -1926,12 +1992,12 @@
         </a:fontRef>
       </dsp:style>
       <dsp:txBody>
-        <a:bodyPr spcFirstLastPara="0" vert="horz" wrap="square" lIns="40005" tIns="26670" rIns="40005" bIns="26670" numCol="1" spcCol="1270" anchor="ctr" anchorCtr="0">
+        <a:bodyPr spcFirstLastPara="0" vert="horz" wrap="square" lIns="47625" tIns="31750" rIns="47625" bIns="31750" numCol="1" spcCol="1270" anchor="ctr" anchorCtr="0">
           <a:noAutofit/>
         </a:bodyPr>
         <a:lstStyle/>
         <a:p>
-          <a:pPr lvl="0" algn="ctr" defTabSz="933450">
+          <a:pPr lvl="0" algn="ctr" defTabSz="1111250">
             <a:lnSpc>
               <a:spcPct val="90000"/>
             </a:lnSpc>
@@ -1943,10 +2009,10 @@
             </a:spcAft>
           </a:pPr>
           <a:r>
-            <a:rPr lang="en-US" sz="2100" kern="1200" dirty="0" smtClean="0"/>
+            <a:rPr lang="en-US" sz="2500" kern="1200" dirty="0" smtClean="0"/>
             <a:t>6DOF</a:t>
           </a:r>
-          <a:endParaRPr lang="en-US" sz="2100" kern="1200" dirty="0"/>
+          <a:endParaRPr lang="en-US" sz="2500" kern="1200" dirty="0"/>
         </a:p>
       </dsp:txBody>
       <dsp:txXfrm>
@@ -1954,7 +2020,7 @@
         <a:ext cx="1730394" cy="663262"/>
       </dsp:txXfrm>
     </dsp:sp>
-    <dsp:sp modelId="{335AE672-2BC9-40D8-9DE9-15A2338B13A9}">
+    <dsp:sp modelId="{EF9783B8-4EFF-426C-9593-9CB5675D5AAE}">
       <dsp:nvSpPr>
         <dsp:cNvPr id="0" name=""/>
         <dsp:cNvSpPr/>
@@ -2004,12 +2070,12 @@
         <a:fontRef idx="minor"/>
       </dsp:style>
       <dsp:txBody>
-        <a:bodyPr spcFirstLastPara="0" vert="horz" wrap="square" lIns="30480" tIns="30480" rIns="30480" bIns="30480" numCol="1" spcCol="1270" anchor="t" anchorCtr="0">
+        <a:bodyPr spcFirstLastPara="0" vert="horz" wrap="square" lIns="24765" tIns="24765" rIns="24765" bIns="24765" numCol="1" spcCol="1270" anchor="t" anchorCtr="0">
           <a:noAutofit/>
         </a:bodyPr>
         <a:lstStyle/>
         <a:p>
-          <a:pPr marL="171450" lvl="1" indent="-171450" algn="l" defTabSz="711200">
+          <a:pPr marL="114300" lvl="1" indent="-114300" algn="l" defTabSz="577850">
             <a:lnSpc>
               <a:spcPct val="90000"/>
             </a:lnSpc>
@@ -2022,10 +2088,37 @@
             <a:buChar char="••"/>
           </a:pPr>
           <a:r>
-            <a:rPr lang="en-US" sz="1600" kern="1200" dirty="0" smtClean="0"/>
+            <a:rPr lang="en-US" sz="1300" kern="1200" dirty="0" smtClean="0"/>
             <a:t>Evaluation of 12 equation for given set of inputs</a:t>
           </a:r>
-          <a:endParaRPr lang="en-US" sz="1600" kern="1200" dirty="0"/>
+          <a:endParaRPr lang="en-US" sz="1300" kern="1200" dirty="0"/>
+        </a:p>
+        <a:p>
+          <a:pPr marL="114300" lvl="1" indent="-114300" algn="l" defTabSz="577850">
+            <a:lnSpc>
+              <a:spcPct val="90000"/>
+            </a:lnSpc>
+            <a:spcBef>
+              <a:spcPct val="0"/>
+            </a:spcBef>
+            <a:spcAft>
+              <a:spcPct val="15000"/>
+            </a:spcAft>
+            <a:buChar char="••"/>
+          </a:pPr>
+          <a:r>
+            <a:rPr lang="en-US" sz="1300" kern="1200" dirty="0" smtClean="0"/>
+            <a:t>Appling </a:t>
+          </a:r>
+          <a:r>
+            <a:rPr lang="en-US" sz="1300" b="1" kern="1200" dirty="0" smtClean="0"/>
+            <a:t>RK4</a:t>
+          </a:r>
+          <a:r>
+            <a:rPr lang="en-US" sz="1300" kern="1200" dirty="0" smtClean="0"/>
+            <a:t> in order to evaluate the next state.</a:t>
+          </a:r>
+          <a:endParaRPr lang="en-US" sz="1300" kern="1200" dirty="0"/>
         </a:p>
       </dsp:txBody>
       <dsp:txXfrm>
@@ -2033,7 +2126,7 @@
         <a:ext cx="1917460" cy="1215980"/>
       </dsp:txXfrm>
     </dsp:sp>
-    <dsp:sp modelId="{C95B669E-1807-4AA3-98A1-A8728D57C2C7}">
+    <dsp:sp modelId="{2CABBD81-09B3-470A-AC08-D64D0849A100}">
       <dsp:nvSpPr>
         <dsp:cNvPr id="0" name=""/>
         <dsp:cNvSpPr/>
@@ -2105,7 +2198,7 @@
         </a:fontRef>
       </dsp:style>
     </dsp:sp>
-    <dsp:sp modelId="{DB5FF16D-E468-4D37-8973-2DB2EAF85B67}">
+    <dsp:sp modelId="{878BB4B9-68A8-450C-8D3F-C5E24C27A162}">
       <dsp:nvSpPr>
         <dsp:cNvPr id="0" name=""/>
         <dsp:cNvSpPr/>
@@ -2171,12 +2264,12 @@
         </a:fontRef>
       </dsp:style>
       <dsp:txBody>
-        <a:bodyPr spcFirstLastPara="0" vert="horz" wrap="square" lIns="40005" tIns="26670" rIns="40005" bIns="26670" numCol="1" spcCol="1270" anchor="ctr" anchorCtr="0">
+        <a:bodyPr spcFirstLastPara="0" vert="horz" wrap="square" lIns="47625" tIns="31750" rIns="47625" bIns="31750" numCol="1" spcCol="1270" anchor="ctr" anchorCtr="0">
           <a:noAutofit/>
         </a:bodyPr>
         <a:lstStyle/>
         <a:p>
-          <a:pPr lvl="0" algn="ctr" defTabSz="933450">
+          <a:pPr lvl="0" algn="ctr" defTabSz="1111250">
             <a:lnSpc>
               <a:spcPct val="90000"/>
             </a:lnSpc>
@@ -2188,10 +2281,10 @@
             </a:spcAft>
           </a:pPr>
           <a:r>
-            <a:rPr lang="en-US" sz="2100" kern="1200" dirty="0" smtClean="0"/>
-            <a:t>Runge-Kutta4</a:t>
+            <a:rPr lang="en-US" sz="2500" kern="1200" dirty="0" smtClean="0"/>
+            <a:t>RBD Solver</a:t>
           </a:r>
-          <a:endParaRPr lang="en-US" sz="2100" kern="1200" dirty="0"/>
+          <a:endParaRPr lang="en-US" sz="2500" kern="1200" dirty="0"/>
         </a:p>
       </dsp:txBody>
       <dsp:txXfrm>
@@ -2199,7 +2292,7 @@
         <a:ext cx="1730394" cy="663262"/>
       </dsp:txXfrm>
     </dsp:sp>
-    <dsp:sp modelId="{99461658-3001-464A-BA68-F51873BC7130}">
+    <dsp:sp modelId="{BE9EB199-6B03-4364-8070-BEB8F9E211CD}">
       <dsp:nvSpPr>
         <dsp:cNvPr id="0" name=""/>
         <dsp:cNvSpPr/>
@@ -2249,12 +2342,12 @@
         <a:fontRef idx="minor"/>
       </dsp:style>
       <dsp:txBody>
-        <a:bodyPr spcFirstLastPara="0" vert="horz" wrap="square" lIns="30480" tIns="30480" rIns="30480" bIns="30480" numCol="1" spcCol="1270" anchor="t" anchorCtr="0">
+        <a:bodyPr spcFirstLastPara="0" vert="horz" wrap="square" lIns="24765" tIns="24765" rIns="24765" bIns="24765" numCol="1" spcCol="1270" anchor="t" anchorCtr="0">
           <a:noAutofit/>
         </a:bodyPr>
         <a:lstStyle/>
         <a:p>
-          <a:pPr marL="171450" lvl="1" indent="-171450" algn="l" defTabSz="711200">
+          <a:pPr marL="114300" lvl="1" indent="-114300" algn="l" defTabSz="577850">
             <a:lnSpc>
               <a:spcPct val="90000"/>
             </a:lnSpc>
@@ -2267,18 +2360,10 @@
             <a:buChar char="••"/>
           </a:pPr>
           <a:r>
-            <a:rPr lang="en-US" sz="1600" kern="1200" dirty="0" smtClean="0"/>
-            <a:t>Appling </a:t>
+            <a:rPr lang="en-US" sz="1300" kern="1200" dirty="0" smtClean="0"/>
+            <a:t>Solving state by state using RBD Solver</a:t>
           </a:r>
-          <a:r>
-            <a:rPr lang="en-US" sz="1600" b="1" kern="1200" dirty="0" smtClean="0"/>
-            <a:t>RK4</a:t>
-          </a:r>
-          <a:r>
-            <a:rPr lang="en-US" sz="1600" kern="1200" dirty="0" smtClean="0"/>
-            <a:t> in order to evaluate the next state.</a:t>
-          </a:r>
-          <a:endParaRPr lang="en-US" sz="1600" kern="1200" dirty="0"/>
+          <a:endParaRPr lang="en-US" sz="1300" kern="1200" dirty="0"/>
         </a:p>
       </dsp:txBody>
       <dsp:txXfrm>
@@ -2286,7 +2371,7 @@
         <a:ext cx="1917460" cy="1215980"/>
       </dsp:txXfrm>
     </dsp:sp>
-    <dsp:sp modelId="{CFCACBD0-A32E-4EC1-B16C-4AB26315F19F}">
+    <dsp:sp modelId="{093F5B07-4594-4074-8026-1C7DE48FF0A4}">
       <dsp:nvSpPr>
         <dsp:cNvPr id="0" name=""/>
         <dsp:cNvSpPr/>
@@ -2358,7 +2443,7 @@
         </a:fontRef>
       </dsp:style>
     </dsp:sp>
-    <dsp:sp modelId="{B79FC3A8-661E-41E8-B79F-1EA5926A51C5}">
+    <dsp:sp modelId="{2F483414-171A-4773-958A-CEABC3C31B16}">
       <dsp:nvSpPr>
         <dsp:cNvPr id="0" name=""/>
         <dsp:cNvSpPr/>
@@ -2424,12 +2509,12 @@
         </a:fontRef>
       </dsp:style>
       <dsp:txBody>
-        <a:bodyPr spcFirstLastPara="0" vert="horz" wrap="square" lIns="40005" tIns="26670" rIns="40005" bIns="26670" numCol="1" spcCol="1270" anchor="ctr" anchorCtr="0">
+        <a:bodyPr spcFirstLastPara="0" vert="horz" wrap="square" lIns="47625" tIns="31750" rIns="47625" bIns="31750" numCol="1" spcCol="1270" anchor="ctr" anchorCtr="0">
           <a:noAutofit/>
         </a:bodyPr>
         <a:lstStyle/>
         <a:p>
-          <a:pPr lvl="0" algn="ctr" defTabSz="933450">
+          <a:pPr lvl="0" algn="ctr" defTabSz="1111250">
             <a:lnSpc>
               <a:spcPct val="90000"/>
             </a:lnSpc>
@@ -2441,10 +2526,10 @@
             </a:spcAft>
           </a:pPr>
           <a:r>
-            <a:rPr lang="en-US" sz="2100" kern="1200" dirty="0" smtClean="0"/>
-            <a:t>RBD Solver</a:t>
+            <a:rPr lang="en-US" sz="2500" kern="1200" dirty="0" smtClean="0"/>
+            <a:t>Solving</a:t>
           </a:r>
-          <a:endParaRPr lang="en-US" sz="2100" kern="1200" dirty="0"/>
+          <a:endParaRPr lang="en-US" sz="2500" kern="1200" dirty="0"/>
         </a:p>
       </dsp:txBody>
       <dsp:txXfrm>
@@ -2452,7 +2537,7 @@
         <a:ext cx="1730394" cy="663262"/>
       </dsp:txXfrm>
     </dsp:sp>
-    <dsp:sp modelId="{C1D339B4-DF39-4103-9569-05A2D87FAF90}">
+    <dsp:sp modelId="{B50BB41E-CB27-4BB9-95E2-E59ED038B88D}">
       <dsp:nvSpPr>
         <dsp:cNvPr id="0" name=""/>
         <dsp:cNvSpPr/>
@@ -2502,12 +2587,12 @@
         <a:fontRef idx="minor"/>
       </dsp:style>
       <dsp:txBody>
-        <a:bodyPr spcFirstLastPara="0" vert="horz" wrap="square" lIns="30480" tIns="30480" rIns="30480" bIns="30480" numCol="1" spcCol="1270" anchor="t" anchorCtr="0">
+        <a:bodyPr spcFirstLastPara="0" vert="horz" wrap="square" lIns="24765" tIns="24765" rIns="24765" bIns="24765" numCol="1" spcCol="1270" anchor="t" anchorCtr="0">
           <a:noAutofit/>
         </a:bodyPr>
         <a:lstStyle/>
         <a:p>
-          <a:pPr marL="171450" lvl="1" indent="-171450" algn="l" defTabSz="711200">
+          <a:pPr marL="114300" lvl="1" indent="-114300" algn="l" defTabSz="577850">
             <a:lnSpc>
               <a:spcPct val="90000"/>
             </a:lnSpc>
@@ -2520,10 +2605,29 @@
             <a:buChar char="••"/>
           </a:pPr>
           <a:r>
-            <a:rPr lang="en-US" sz="1600" kern="1200" dirty="0" smtClean="0"/>
-            <a:t>Solving state by state using RBD Solver</a:t>
+            <a:rPr lang="en-US" sz="1300" kern="1200" dirty="0" smtClean="0"/>
+            <a:t>Using Simulink</a:t>
           </a:r>
-          <a:endParaRPr lang="en-US" sz="1600" kern="1200" dirty="0"/>
+          <a:endParaRPr lang="en-US" sz="1300" kern="1200" dirty="0"/>
+        </a:p>
+        <a:p>
+          <a:pPr marL="114300" lvl="1" indent="-114300" algn="l" defTabSz="577850">
+            <a:lnSpc>
+              <a:spcPct val="90000"/>
+            </a:lnSpc>
+            <a:spcBef>
+              <a:spcPct val="0"/>
+            </a:spcBef>
+            <a:spcAft>
+              <a:spcPct val="15000"/>
+            </a:spcAft>
+            <a:buChar char="••"/>
+          </a:pPr>
+          <a:r>
+            <a:rPr lang="en-US" sz="1300" kern="1200" dirty="0" smtClean="0"/>
+            <a:t>Using ode45</a:t>
+          </a:r>
+          <a:endParaRPr lang="en-US" sz="1300" kern="1200" dirty="0"/>
         </a:p>
       </dsp:txBody>
       <dsp:txXfrm>
@@ -2531,7 +2635,7 @@
         <a:ext cx="1917460" cy="1215980"/>
       </dsp:txXfrm>
     </dsp:sp>
-    <dsp:sp modelId="{AB17B868-E034-44F8-B2FA-32484AC16A2F}">
+    <dsp:sp modelId="{91276460-7F6A-4C83-8AF8-5A7D4578DB37}">
       <dsp:nvSpPr>
         <dsp:cNvPr id="0" name=""/>
         <dsp:cNvSpPr/>
@@ -2597,12 +2701,12 @@
         </a:fontRef>
       </dsp:style>
       <dsp:txBody>
-        <a:bodyPr spcFirstLastPara="0" vert="horz" wrap="square" lIns="40005" tIns="26670" rIns="40005" bIns="26670" numCol="1" spcCol="1270" anchor="ctr" anchorCtr="0">
+        <a:bodyPr spcFirstLastPara="0" vert="horz" wrap="square" lIns="47625" tIns="31750" rIns="47625" bIns="31750" numCol="1" spcCol="1270" anchor="ctr" anchorCtr="0">
           <a:noAutofit/>
         </a:bodyPr>
         <a:lstStyle/>
         <a:p>
-          <a:pPr lvl="0" algn="ctr" defTabSz="933450">
+          <a:pPr lvl="0" algn="ctr" defTabSz="1111250">
             <a:lnSpc>
               <a:spcPct val="90000"/>
             </a:lnSpc>
@@ -2614,10 +2718,10 @@
             </a:spcAft>
           </a:pPr>
           <a:r>
-            <a:rPr lang="en-US" sz="2100" kern="1200" dirty="0" smtClean="0"/>
-            <a:t>Solving</a:t>
+            <a:rPr lang="en-US" sz="2500" kern="1200" dirty="0" smtClean="0"/>
+            <a:t>Verifying</a:t>
           </a:r>
-          <a:endParaRPr lang="en-US" sz="2100" kern="1200" dirty="0"/>
+          <a:endParaRPr lang="en-US" sz="2500" kern="1200" dirty="0"/>
         </a:p>
       </dsp:txBody>
       <dsp:txXfrm>
@@ -28357,6 +28461,13 @@
   <p:clrMapOvr>
     <a:masterClrMapping/>
   </p:clrMapOvr>
+  <p:timing>
+    <p:tnLst>
+      <p:par>
+        <p:cTn id="1" dur="indefinite" restart="never" nodeType="tmRoot"/>
+      </p:par>
+    </p:tnLst>
+  </p:timing>
 </p:sld>
 </file>
 
@@ -28384,7 +28495,7 @@
           <p:nvPr>
             <p:extLst>
               <p:ext uri="{D42A27DB-BD31-4B8C-83A1-F6EECF244321}">
-                <p14:modId xmlns:p14="http://schemas.microsoft.com/office/powerpoint/2010/main" val="3992283821"/>
+                <p14:modId xmlns:p14="http://schemas.microsoft.com/office/powerpoint/2010/main" val="2892841027"/>
               </p:ext>
             </p:extLst>
           </p:nvPr>
